--- a/Presentation/MySQL SELF-LEARNING.pptx
+++ b/Presentation/MySQL SELF-LEARNING.pptx
@@ -5375,6 +5375,34 @@
           </a:ln>
         </p:spPr>
       </p:pic>
+      <p:pic>
+        <p:nvPicPr>
+          <p:cNvPr id="75" name="Shape 75"/>
+          <p:cNvPicPr preferRelativeResize="0"/>
+          <p:nvPr/>
+        </p:nvPicPr>
+        <p:blipFill>
+          <a:blip r:embed="rId6">
+            <a:alphaModFix/>
+          </a:blip>
+          <a:stretch>
+            <a:fillRect/>
+          </a:stretch>
+        </p:blipFill>
+        <p:spPr>
+          <a:xfrm>
+            <a:off x="1832962" y="3727225"/>
+            <a:ext cx="5266175" cy="941025"/>
+          </a:xfrm>
+          <a:prstGeom prst="rect">
+            <a:avLst/>
+          </a:prstGeom>
+          <a:noFill/>
+          <a:ln>
+            <a:noFill/>
+          </a:ln>
+        </p:spPr>
+      </p:pic>
     </p:spTree>
   </p:cSld>
   <p:clrMapOvr>
@@ -5626,6 +5654,65 @@
                                         <p:tav fmla="" tm="100000">
                                           <p:val>
                                             <p:strVal val="#ppt_x"/>
+                                          </p:val>
+                                        </p:tav>
+                                      </p:tavLst>
+                                    </p:anim>
+                                  </p:childTnLst>
+                                </p:cTn>
+                              </p:par>
+                            </p:childTnLst>
+                          </p:cTn>
+                        </p:par>
+                        <p:par>
+                          <p:cTn fill="hold">
+                            <p:stCondLst>
+                              <p:cond delay="2000"/>
+                            </p:stCondLst>
+                            <p:childTnLst>
+                              <p:par>
+                                <p:cTn fill="hold" nodeType="afterEffect" presetClass="entr" presetID="2" presetSubtype="4">
+                                  <p:stCondLst>
+                                    <p:cond delay="0"/>
+                                  </p:stCondLst>
+                                  <p:childTnLst>
+                                    <p:set>
+                                      <p:cBhvr>
+                                        <p:cTn dur="1" fill="hold">
+                                          <p:stCondLst>
+                                            <p:cond delay="0"/>
+                                          </p:stCondLst>
+                                        </p:cTn>
+                                        <p:tgtEl>
+                                          <p:spTgt spid="75"/>
+                                        </p:tgtEl>
+                                        <p:attrNameLst>
+                                          <p:attrName>style.visibility</p:attrName>
+                                        </p:attrNameLst>
+                                      </p:cBhvr>
+                                      <p:to>
+                                        <p:strVal val="visible"/>
+                                      </p:to>
+                                    </p:set>
+                                    <p:anim calcmode="lin" valueType="num">
+                                      <p:cBhvr additive="base">
+                                        <p:cTn dur="500"/>
+                                        <p:tgtEl>
+                                          <p:spTgt spid="75"/>
+                                        </p:tgtEl>
+                                        <p:attrNameLst>
+                                          <p:attrName>ppt_y</p:attrName>
+                                        </p:attrNameLst>
+                                      </p:cBhvr>
+                                      <p:tavLst>
+                                        <p:tav fmla="" tm="0">
+                                          <p:val>
+                                            <p:strVal val="#ppt_y+1"/>
+                                          </p:val>
+                                        </p:tav>
+                                        <p:tav fmla="" tm="100000">
+                                          <p:val>
+                                            <p:strVal val="#ppt_y"/>
                                           </p:val>
                                         </p:tav>
                                       </p:tavLst>
